--- a/ppt/userDetail.pptx
+++ b/ppt/userDetail.pptx
@@ -104,6 +104,11 @@
       </a:defRPr>
     </a:lvl9pPr>
   </p:defaultTextStyle>
+  <p:extLst>
+    <p:ext uri="{EFAFB233-063F-42B5-8137-9DF3F51BA10A}">
+      <p15:sldGuideLst xmlns:p15="http://schemas.microsoft.com/office/powerpoint/2012/main"/>
+    </p:ext>
+  </p:extLst>
 </p:presentation>
 </file>
 
@@ -3736,12 +3741,12 @@
           <a:p>
             <a:pPr algn="ctr"/>
             <a:r>
-              <a:rPr lang="en-US" altLang="ko-KR" sz="1000" dirty="0" smtClean="0">
-                <a:solidFill>
-                  <a:schemeClr val="tx1"/>
-                </a:solidFill>
-              </a:rPr>
-              <a:t>H : 2</a:t>
+              <a:rPr lang="ko-KR" altLang="en-US" sz="1000" dirty="0" smtClean="0">
+                <a:solidFill>
+                  <a:schemeClr val="tx1"/>
+                </a:solidFill>
+              </a:rPr>
+              <a:t>여백</a:t>
             </a:r>
             <a:endParaRPr lang="ko-KR" altLang="en-US" sz="1000" dirty="0">
               <a:solidFill>
